--- a/lectures/p-01-intro-to-counterfactuals.pptx
+++ b/lectures/p-01-intro-to-counterfactuals.pptx
@@ -1285,23 +1285,28 @@
     <dgm:pt modelId="{4441649F-8DC2-48FF-A485-D17740EB3CCF}" type="pres">
       <dgm:prSet presAssocID="{CD03223D-C8B0-4307-9602-3BB7DB0844E0}" presName="bgRect" presStyleLbl="bgShp" presStyleIdx="0" presStyleCnt="3">
         <dgm:style>
-          <a:lnRef idx="2">
-            <a:schemeClr val="accent5">
-              <a:shade val="50000"/>
-            </a:schemeClr>
+          <a:lnRef idx="0">
+            <a:scrgbClr r="0" g="0" b="0"/>
           </a:lnRef>
-          <a:fillRef idx="1">
-            <a:schemeClr val="accent5"/>
+          <a:fillRef idx="0">
+            <a:scrgbClr r="0" g="0" b="0"/>
           </a:fillRef>
           <a:effectRef idx="0">
-            <a:schemeClr val="accent5"/>
+            <a:scrgbClr r="0" g="0" b="0"/>
           </a:effectRef>
           <a:fontRef idx="minor">
             <a:schemeClr val="lt1"/>
           </a:fontRef>
         </dgm:style>
       </dgm:prSet>
-      <dgm:spPr/>
+      <dgm:spPr>
+        <a:solidFill>
+          <a:schemeClr val="dk1"/>
+        </a:solidFill>
+        <a:ln>
+          <a:noFill/>
+        </a:ln>
+      </dgm:spPr>
     </dgm:pt>
     <dgm:pt modelId="{FE5E1B63-0B11-47F2-B10E-69147744F4D7}" type="pres">
       <dgm:prSet presAssocID="{CD03223D-C8B0-4307-9602-3BB7DB0844E0}" presName="iconRect" presStyleLbl="node1" presStyleIdx="0" presStyleCnt="3"/>
@@ -1361,23 +1366,28 @@
     <dgm:pt modelId="{CEA9FC3B-1D93-488E-8D07-474DFDDF402E}" type="pres">
       <dgm:prSet presAssocID="{34219FAB-9FD1-4405-861D-B34C3309D9A3}" presName="bgRect" presStyleLbl="bgShp" presStyleIdx="1" presStyleCnt="3">
         <dgm:style>
-          <a:lnRef idx="2">
-            <a:schemeClr val="accent5">
-              <a:shade val="50000"/>
-            </a:schemeClr>
+          <a:lnRef idx="0">
+            <a:scrgbClr r="0" g="0" b="0"/>
           </a:lnRef>
-          <a:fillRef idx="1">
-            <a:schemeClr val="accent5"/>
+          <a:fillRef idx="0">
+            <a:scrgbClr r="0" g="0" b="0"/>
           </a:fillRef>
           <a:effectRef idx="0">
-            <a:schemeClr val="accent5"/>
+            <a:scrgbClr r="0" g="0" b="0"/>
           </a:effectRef>
           <a:fontRef idx="minor">
             <a:schemeClr val="lt1"/>
           </a:fontRef>
         </dgm:style>
       </dgm:prSet>
-      <dgm:spPr/>
+      <dgm:spPr>
+        <a:solidFill>
+          <a:schemeClr val="dk1"/>
+        </a:solidFill>
+        <a:ln>
+          <a:noFill/>
+        </a:ln>
+      </dgm:spPr>
     </dgm:pt>
     <dgm:pt modelId="{7251D6BF-82D1-4BF4-921F-37AB34CAED65}" type="pres">
       <dgm:prSet presAssocID="{34219FAB-9FD1-4405-861D-B34C3309D9A3}" presName="iconRect" presStyleLbl="node1" presStyleIdx="1" presStyleCnt="3"/>
@@ -1431,23 +1441,28 @@
     <dgm:pt modelId="{F139335F-A6E7-4509-939C-5892F6ED9CF8}" type="pres">
       <dgm:prSet presAssocID="{8B2DFA9F-2EBE-4C0F-B998-53A008BCC82B}" presName="bgRect" presStyleLbl="bgShp" presStyleIdx="2" presStyleCnt="3">
         <dgm:style>
-          <a:lnRef idx="2">
-            <a:schemeClr val="accent5">
-              <a:shade val="50000"/>
-            </a:schemeClr>
+          <a:lnRef idx="0">
+            <a:scrgbClr r="0" g="0" b="0"/>
           </a:lnRef>
-          <a:fillRef idx="1">
-            <a:schemeClr val="accent5"/>
+          <a:fillRef idx="0">
+            <a:scrgbClr r="0" g="0" b="0"/>
           </a:fillRef>
           <a:effectRef idx="0">
-            <a:schemeClr val="accent5"/>
+            <a:scrgbClr r="0" g="0" b="0"/>
           </a:effectRef>
           <a:fontRef idx="minor">
             <a:schemeClr val="lt1"/>
           </a:fontRef>
         </dgm:style>
       </dgm:prSet>
-      <dgm:spPr/>
+      <dgm:spPr>
+        <a:solidFill>
+          <a:schemeClr val="dk1"/>
+        </a:solidFill>
+        <a:ln>
+          <a:noFill/>
+        </a:ln>
+      </dgm:spPr>
     </dgm:pt>
     <dgm:pt modelId="{BE9ECA56-884D-4B2F-8BD8-CA7F4922252A}" type="pres">
       <dgm:prSet presAssocID="{8B2DFA9F-2EBE-4C0F-B998-53A008BCC82B}" presName="iconRect" presStyleLbl="node1" presStyleIdx="2" presStyleCnt="3"/>
@@ -1567,30 +1582,22 @@
           </a:avLst>
         </a:prstGeom>
         <a:solidFill>
-          <a:schemeClr val="accent5"/>
+          <a:schemeClr val="dk1"/>
         </a:solidFill>
-        <a:ln w="12700" cap="flat" cmpd="sng" algn="ctr">
-          <a:solidFill>
-            <a:schemeClr val="accent5">
-              <a:shade val="50000"/>
-            </a:schemeClr>
-          </a:solidFill>
-          <a:prstDash val="solid"/>
-          <a:miter lim="800000"/>
+        <a:ln>
+          <a:noFill/>
         </a:ln>
         <a:effectLst/>
       </dsp:spPr>
       <dsp:style>
-        <a:lnRef idx="2">
-          <a:schemeClr val="accent5">
-            <a:shade val="50000"/>
-          </a:schemeClr>
+        <a:lnRef idx="0">
+          <a:scrgbClr r="0" g="0" b="0"/>
         </a:lnRef>
-        <a:fillRef idx="1">
-          <a:schemeClr val="accent5"/>
+        <a:fillRef idx="0">
+          <a:scrgbClr r="0" g="0" b="0"/>
         </a:fillRef>
         <a:effectRef idx="0">
-          <a:schemeClr val="accent5"/>
+          <a:scrgbClr r="0" g="0" b="0"/>
         </a:effectRef>
         <a:fontRef idx="minor">
           <a:schemeClr val="lt1"/>
@@ -1843,30 +1850,22 @@
           </a:avLst>
         </a:prstGeom>
         <a:solidFill>
-          <a:schemeClr val="accent5"/>
+          <a:schemeClr val="dk1"/>
         </a:solidFill>
-        <a:ln w="12700" cap="flat" cmpd="sng" algn="ctr">
-          <a:solidFill>
-            <a:schemeClr val="accent5">
-              <a:shade val="50000"/>
-            </a:schemeClr>
-          </a:solidFill>
-          <a:prstDash val="solid"/>
-          <a:miter lim="800000"/>
+        <a:ln>
+          <a:noFill/>
         </a:ln>
         <a:effectLst/>
       </dsp:spPr>
       <dsp:style>
-        <a:lnRef idx="2">
-          <a:schemeClr val="accent5">
-            <a:shade val="50000"/>
-          </a:schemeClr>
+        <a:lnRef idx="0">
+          <a:scrgbClr r="0" g="0" b="0"/>
         </a:lnRef>
-        <a:fillRef idx="1">
-          <a:schemeClr val="accent5"/>
+        <a:fillRef idx="0">
+          <a:scrgbClr r="0" g="0" b="0"/>
         </a:fillRef>
         <a:effectRef idx="0">
-          <a:schemeClr val="accent5"/>
+          <a:scrgbClr r="0" g="0" b="0"/>
         </a:effectRef>
         <a:fontRef idx="minor">
           <a:schemeClr val="lt1"/>
@@ -2003,30 +2002,22 @@
           </a:avLst>
         </a:prstGeom>
         <a:solidFill>
-          <a:schemeClr val="accent5"/>
+          <a:schemeClr val="dk1"/>
         </a:solidFill>
-        <a:ln w="12700" cap="flat" cmpd="sng" algn="ctr">
-          <a:solidFill>
-            <a:schemeClr val="accent5">
-              <a:shade val="50000"/>
-            </a:schemeClr>
-          </a:solidFill>
-          <a:prstDash val="solid"/>
-          <a:miter lim="800000"/>
+        <a:ln>
+          <a:noFill/>
         </a:ln>
         <a:effectLst/>
       </dsp:spPr>
       <dsp:style>
-        <a:lnRef idx="2">
-          <a:schemeClr val="accent5">
-            <a:shade val="50000"/>
-          </a:schemeClr>
+        <a:lnRef idx="0">
+          <a:scrgbClr r="0" g="0" b="0"/>
         </a:lnRef>
-        <a:fillRef idx="1">
-          <a:schemeClr val="accent5"/>
+        <a:fillRef idx="0">
+          <a:scrgbClr r="0" g="0" b="0"/>
         </a:fillRef>
         <a:effectRef idx="0">
-          <a:schemeClr val="accent5"/>
+          <a:scrgbClr r="0" g="0" b="0"/>
         </a:effectRef>
         <a:fontRef idx="minor">
           <a:schemeClr val="lt1"/>
@@ -29188,7 +29179,7 @@
           <p:nvPr>
             <p:extLst>
               <p:ext uri="{D42A27DB-BD31-4B8C-83A1-F6EECF244321}">
-                <p14:modId xmlns:p14="http://schemas.microsoft.com/office/powerpoint/2010/main" val="2689907486"/>
+                <p14:modId xmlns:p14="http://schemas.microsoft.com/office/powerpoint/2010/main" val="1916750450"/>
               </p:ext>
             </p:extLst>
           </p:nvPr>
